--- a/slides/cms-demo-v3.pptx
+++ b/slides/cms-demo-v3.pptx
@@ -1891,8 +1891,8 @@
     <dgm:cxn modelId="{3D544CE2-C474-4E40-B85F-2A054FDC28D6}" type="presOf" srcId="{2AC953DA-B86E-465D-8CFE-10BB2A80F0BF}" destId="{021A7200-A1B1-4E60-A02F-9D6DA35506AF}" srcOrd="0" destOrd="0" presId="urn:microsoft.com/office/officeart/2005/8/layout/vList5"/>
     <dgm:cxn modelId="{A74DD1A6-CCB2-6746-8D96-BB6C4E52536F}" srcId="{7F2A4DDF-9A3D-4683-B2D2-603D9E9D3771}" destId="{493FE95A-5E94-1448-BEC8-A77A9D12847F}" srcOrd="3" destOrd="0" parTransId="{273937F6-37E7-FC4C-B09D-341C0C05E320}" sibTransId="{B2C7E4F7-2CE6-B745-914E-6BB59E3BFC15}"/>
     <dgm:cxn modelId="{68A656FE-754B-6045-87FA-098633A5D240}" type="presOf" srcId="{8B01ED18-491D-A744-B9AC-C8B4C8414670}" destId="{DEFF8707-5149-5A4E-B569-68081CD78366}" srcOrd="0" destOrd="0" presId="urn:microsoft.com/office/officeart/2005/8/layout/vList5"/>
+    <dgm:cxn modelId="{9F09997C-1F77-4EE0-9897-59569C97D8C3}" srcId="{19E76062-B84F-4B12-8306-12BC06FFC743}" destId="{17B43373-F9D0-4F7D-8141-74E0DEF1D90A}" srcOrd="0" destOrd="0" parTransId="{0CB96805-6DDD-468A-95F6-53B8307E5FF7}" sibTransId="{15E6937C-E347-4AC9-B5D9-642534CE572C}"/>
     <dgm:cxn modelId="{67F7B713-0AB9-4C5D-A6C1-9E66CB009000}" type="presOf" srcId="{2C7FEA01-BB06-4AD5-9192-55A41A9DE689}" destId="{CF5EBAA8-D50A-420A-84E3-C1EE07B1CEA8}" srcOrd="0" destOrd="0" presId="urn:microsoft.com/office/officeart/2005/8/layout/vList5"/>
-    <dgm:cxn modelId="{9F09997C-1F77-4EE0-9897-59569C97D8C3}" srcId="{19E76062-B84F-4B12-8306-12BC06FFC743}" destId="{17B43373-F9D0-4F7D-8141-74E0DEF1D90A}" srcOrd="0" destOrd="0" parTransId="{0CB96805-6DDD-468A-95F6-53B8307E5FF7}" sibTransId="{15E6937C-E347-4AC9-B5D9-642534CE572C}"/>
     <dgm:cxn modelId="{9B7B3DD3-B459-4534-8963-E04B61022D27}" type="presOf" srcId="{A04CE278-FA75-40F9-AB1A-A4EEE6CA103D}" destId="{1889267E-0460-4F69-A28E-F489C3AFE258}" srcOrd="0" destOrd="0" presId="urn:microsoft.com/office/officeart/2005/8/layout/vList5"/>
     <dgm:cxn modelId="{0C0CD4D9-B7B1-4ED9-BB9D-C7FAB7636EFB}" type="presOf" srcId="{17B43373-F9D0-4F7D-8141-74E0DEF1D90A}" destId="{D38EA1F3-D27E-4BE0-B912-D1BD83913AFE}" srcOrd="0" destOrd="0" presId="urn:microsoft.com/office/officeart/2005/8/layout/vList5"/>
     <dgm:cxn modelId="{C2A412B2-19CD-4A40-90EA-8DCB52125243}" srcId="{F23E6AC7-B152-4E2D-942D-B0619A16DB26}" destId="{CD426F98-F821-4397-9FBF-53A678E57A40}" srcOrd="0" destOrd="0" parTransId="{5EACD86C-A40E-4D9D-9D42-618BBB9E4AF1}" sibTransId="{0F2F8837-25C2-4B56-B87E-3295AEB646F4}"/>
@@ -9320,13 +9320,41 @@
           <a:p>
             <a:r>
               <a:rPr lang="en-US" altLang="zh-CN" dirty="0" smtClean="0"/>
-              <a:t>Yale University,</a:t>
-            </a:r>
+              <a:t>CERN,</a:t>
+            </a:r>
+            <a:r>
+              <a:rPr lang="zh-CN" altLang="en-US" dirty="0" smtClean="0"/>
+              <a:t> </a:t>
+            </a:r>
+            <a:endParaRPr lang="en-US" altLang="zh-CN" dirty="0" smtClean="0"/>
           </a:p>
           <a:p>
             <a:r>
               <a:rPr lang="en-US" altLang="zh-CN" dirty="0" smtClean="0"/>
-              <a:t>California Institute of Technology</a:t>
+              <a:t>California </a:t>
+            </a:r>
+            <a:r>
+              <a:rPr lang="en-US" altLang="zh-CN" dirty="0" smtClean="0"/>
+              <a:t>Institute </a:t>
+            </a:r>
+            <a:r>
+              <a:rPr lang="en-US" altLang="zh-CN" smtClean="0"/>
+              <a:t>of </a:t>
+            </a:r>
+            <a:r>
+              <a:rPr lang="en-US" altLang="zh-CN" smtClean="0"/>
+              <a:t>Technology,</a:t>
+            </a:r>
+            <a:endParaRPr lang="en-US" altLang="zh-CN" dirty="0" smtClean="0"/>
+          </a:p>
+          <a:p>
+            <a:r>
+              <a:rPr lang="en-US" altLang="zh-CN"/>
+              <a:t>Yale </a:t>
+            </a:r>
+            <a:r>
+              <a:rPr lang="en-US" altLang="zh-CN" smtClean="0"/>
+              <a:t>University</a:t>
             </a:r>
             <a:endParaRPr lang="en-US" dirty="0" smtClean="0"/>
           </a:p>
@@ -13895,7 +13923,7 @@
           <a:graphicData uri="http://schemas.openxmlformats.org/presentationml/2006/ole">
             <mc:AlternateContent xmlns:mc="http://schemas.openxmlformats.org/markup-compatibility/2006">
               <mc:Choice xmlns:v="urn:schemas-microsoft-com:vml" Requires="v">
-                <p:oleObj spid="_x0000_s2238" name="Visio" r:id="rId4" imgW="4594388" imgH="2683753" progId="Visio.Drawing.11">
+                <p:oleObj spid="_x0000_s2240" name="Visio" r:id="rId4" imgW="4594388" imgH="2683753" progId="Visio.Drawing.11">
                   <p:embed/>
                 </p:oleObj>
               </mc:Choice>
@@ -14131,29 +14159,8 @@
             </a:pPr>
             <a:r>
               <a:rPr lang="en-US" sz="2200" dirty="0" smtClean="0"/>
-              <a:t>Each site </a:t>
-            </a:r>
-            <a:r>
-              <a:rPr lang="en-US" sz="2200" dirty="0" smtClean="0"/>
-              <a:t>can become </a:t>
-            </a:r>
-            <a:r>
-              <a:rPr lang="en-US" sz="2200" dirty="0" smtClean="0"/>
-              <a:t>a </a:t>
-            </a:r>
-            <a:r>
-              <a:rPr lang="en-US" sz="2200" dirty="0" smtClean="0"/>
-              <a:t>file provider </a:t>
-            </a:r>
-            <a:r>
-              <a:rPr lang="en-US" sz="2200" dirty="0" smtClean="0"/>
-              <a:t>once receiving </a:t>
-            </a:r>
-            <a:r>
-              <a:rPr lang="en-US" sz="2200" dirty="0" smtClean="0"/>
-              <a:t>files</a:t>
-            </a:r>
-            <a:endParaRPr lang="en-US" sz="2200" dirty="0" smtClean="0"/>
+              <a:t>Each site can become a file provider once receiving files</a:t>
+            </a:r>
           </a:p>
           <a:p>
             <a:pPr>
@@ -14174,17 +14181,8 @@
             </a:pPr>
             <a:r>
               <a:rPr lang="en-US" sz="2200" dirty="0" smtClean="0"/>
-              <a:t>Limit the rate </a:t>
-            </a:r>
-            <a:r>
-              <a:rPr lang="en-US" sz="2200" dirty="0" smtClean="0"/>
-              <a:t>of each (site 1, site X) flow </a:t>
-            </a:r>
-            <a:r>
-              <a:rPr lang="en-US" sz="2200" dirty="0" smtClean="0"/>
-              <a:t>as 100/6=16.7Gbps</a:t>
-            </a:r>
-            <a:endParaRPr lang="en-US" sz="2200" dirty="0" smtClean="0"/>
+              <a:t>Limit the rate of each (site 1, site X) flow as 100/6=16.7Gbps</a:t>
+            </a:r>
           </a:p>
           <a:p>
             <a:pPr lvl="1">
@@ -14196,7 +14194,6 @@
               <a:rPr lang="en-US" sz="2200" b="1" dirty="0" smtClean="0"/>
               <a:t>Uplink utilization: 100%</a:t>
             </a:r>
-            <a:endParaRPr lang="en-US" sz="2200" b="1" dirty="0" smtClean="0"/>
           </a:p>
           <a:p>
             <a:pPr>
@@ -14225,11 +14222,7 @@
             </a:pPr>
             <a:r>
               <a:rPr lang="en-US" sz="2200" dirty="0" smtClean="0"/>
-              <a:t>becomes </a:t>
-            </a:r>
-            <a:r>
-              <a:rPr lang="en-US" sz="2200" dirty="0" smtClean="0"/>
-              <a:t>a source to other destination </a:t>
+              <a:t>becomes a source to other destination </a:t>
             </a:r>
             <a:r>
               <a:rPr lang="en-US" sz="2200" dirty="0"/>
@@ -14247,7 +14240,6 @@
               <a:rPr lang="en-US" sz="2200" dirty="0" smtClean="0"/>
               <a:t>1</a:t>
             </a:r>
-            <a:endParaRPr lang="en-US" sz="2200" dirty="0" smtClean="0"/>
           </a:p>
           <a:p>
             <a:pPr lvl="1">
@@ -14257,15 +14249,7 @@
             </a:pPr>
             <a:r>
               <a:rPr lang="en-US" sz="2200" dirty="0" smtClean="0"/>
-              <a:t>sends </a:t>
-            </a:r>
-            <a:r>
-              <a:rPr lang="en-US" sz="2200" dirty="0" smtClean="0"/>
-              <a:t>the received file to </a:t>
-            </a:r>
-            <a:r>
-              <a:rPr lang="en-US" sz="2200" dirty="0" smtClean="0"/>
-              <a:t>all other </a:t>
+              <a:t>sends the received file to all other </a:t>
             </a:r>
             <a:r>
               <a:rPr lang="en-US" altLang="zh-CN" sz="2200" dirty="0" smtClean="0"/>
@@ -14293,11 +14277,7 @@
             </a:r>
             <a:r>
               <a:rPr lang="en-US" sz="2200" dirty="0" smtClean="0"/>
-              <a:t>at </a:t>
-            </a:r>
-            <a:r>
-              <a:rPr lang="en-US" sz="2200" dirty="0" smtClean="0"/>
-              <a:t>(100-16.7)/</a:t>
+              <a:t>at (100-16.7)/</a:t>
             </a:r>
             <a:r>
               <a:rPr lang="en-US" altLang="zh-CN" sz="2200" dirty="0" smtClean="0"/>
@@ -14361,7 +14341,6 @@
               <a:rPr lang="en-US" sz="2200" b="1" dirty="0" smtClean="0"/>
               <a:t>Maximum</a:t>
             </a:r>
-            <a:endParaRPr lang="en-US" sz="2200" b="1" dirty="0" smtClean="0"/>
           </a:p>
         </p:txBody>
       </p:sp>
@@ -19840,7 +19819,6 @@
               <a:rPr lang="en-US" altLang="zh-CN" dirty="0" smtClean="0"/>
               <a:t>scheduling</a:t>
             </a:r>
-            <a:endParaRPr lang="en-US" altLang="zh-CN" dirty="0" smtClean="0"/>
           </a:p>
           <a:p>
             <a:pPr lvl="1"/>
@@ -20209,8 +20187,8 @@
           </a:p>
         </p:txBody>
       </p:sp>
-      <mc:AlternateContent xmlns:mc="http://schemas.openxmlformats.org/markup-compatibility/2006">
-        <mc:Choice xmlns:a14="http://schemas.microsoft.com/office/drawing/2010/main" Requires="a14">
+      <mc:AlternateContent xmlns:mc="http://schemas.openxmlformats.org/markup-compatibility/2006" xmlns:a14="http://schemas.microsoft.com/office/drawing/2010/main">
+        <mc:Choice Requires="a14">
           <p:sp>
             <p:nvSpPr>
               <p:cNvPr id="63" name="Content Placeholder 2"/>
@@ -20418,11 +20396,7 @@
                 </a:r>
                 <a:r>
                   <a:rPr lang="en-US" sz="2400" kern="0" baseline="0" dirty="0" smtClean="0"/>
-                  <a:t>nly site </a:t>
-                </a:r>
-                <a:r>
-                  <a:rPr lang="en-US" sz="2400" kern="0" baseline="0" dirty="0" smtClean="0"/>
-                  <a:t>1 </a:t>
+                  <a:t>nly site 1 </a:t>
                 </a:r>
                 <a:r>
                   <a:rPr lang="en-US" altLang="zh-CN" sz="2400" kern="0" baseline="0" dirty="0" smtClean="0"/>
@@ -20462,11 +20436,7 @@
                 </a:r>
                 <a:r>
                   <a:rPr lang="en-US" sz="2400" kern="0" baseline="0" dirty="0" smtClean="0"/>
-                  <a:t> </a:t>
-                </a:r>
-                <a:r>
-                  <a:rPr lang="en-US" sz="2400" kern="0" baseline="0" dirty="0" smtClean="0"/>
-                  <a:t>source</a:t>
+                  <a:t> source</a:t>
                 </a:r>
               </a:p>
               <a:p>
@@ -20500,27 +20470,14 @@
                 </a:r>
                 <a:r>
                   <a:rPr lang="en-US" sz="2400" kern="0" baseline="0" dirty="0" smtClean="0"/>
-                  <a:t>ite </a:t>
+                  <a:t>ite 1 sends all 3000 files to each destination</a:t>
                 </a:r>
-                <a:r>
-                  <a:rPr lang="en-US" sz="2400" kern="0" baseline="0" dirty="0" smtClean="0"/>
-                  <a:t>1 sends all 3000 files to each </a:t>
-                </a:r>
-                <a:r>
-                  <a:rPr lang="en-US" sz="2400" kern="0" baseline="0" dirty="0" smtClean="0"/>
-                  <a:t>destination</a:t>
-                </a:r>
-                <a:endParaRPr lang="en-US" sz="2400" kern="0" baseline="0" dirty="0" smtClean="0"/>
               </a:p>
               <a:p>
                 <a:pPr lvl="1"/>
                 <a:r>
                   <a:rPr lang="en-US" sz="2400" kern="0" baseline="0" dirty="0" smtClean="0"/>
-                  <a:t>(</a:t>
-                </a:r>
-                <a:r>
-                  <a:rPr lang="en-US" sz="2400" kern="0" baseline="0" dirty="0" smtClean="0"/>
-                  <a:t>File K, site 1, site X)</a:t>
+                  <a:t>(File K, site 1, site X)</a:t>
                 </a:r>
                 <a:r>
                   <a:rPr lang="zh-CN" altLang="en-US" sz="2400" kern="0" baseline="0" dirty="0" smtClean="0"/>
@@ -20721,17 +20678,7 @@
                         <a:latin typeface="Cambria Math" charset="0"/>
                         <a:ea typeface="微软雅黑" panose="020B0503020204020204" pitchFamily="34" charset="-122"/>
                       </a:rPr>
-                      <m:t>1/7</m:t>
-                    </m:r>
-                    <m:r>
-                      <a:rPr lang="en-US" sz="2400" i="1" baseline="0">
-                        <a:solidFill>
-                          <a:srgbClr val="FF0000"/>
-                        </a:solidFill>
-                        <a:latin typeface="Cambria Math" charset="0"/>
-                        <a:ea typeface="微软雅黑" panose="020B0503020204020204" pitchFamily="34" charset="-122"/>
-                      </a:rPr>
-                      <m:t>=14.29%</m:t>
+                      <m:t>1/7=14.29%</m:t>
                     </m:r>
                   </m:oMath>
                 </a14:m>
@@ -20877,11 +20824,6 @@
                   </a:rPr>
                   <a:t>100/6=16.7Gbps</a:t>
                 </a:r>
-                <a:endParaRPr lang="en-US" altLang="zh-CN" sz="2400" kern="0" baseline="0" dirty="0" smtClean="0">
-                  <a:solidFill>
-                    <a:srgbClr val="FF0000"/>
-                  </a:solidFill>
-                </a:endParaRPr>
               </a:p>
               <a:p>
                 <a:endParaRPr lang="en-US" sz="2400" kern="0" baseline="0" dirty="0" smtClean="0"/>
@@ -20889,7 +20831,7 @@
             </p:txBody>
           </p:sp>
         </mc:Choice>
-        <mc:Fallback>
+        <mc:Fallback xmlns="">
           <p:sp>
             <p:nvSpPr>
               <p:cNvPr id="63" name="Content Placeholder 2"/>
@@ -21101,7 +21043,7 @@
           <a:graphicData uri="http://schemas.openxmlformats.org/presentationml/2006/ole">
             <mc:AlternateContent xmlns:mc="http://schemas.openxmlformats.org/markup-compatibility/2006">
               <mc:Choice xmlns:v="urn:schemas-microsoft-com:vml" Requires="v">
-                <p:oleObj spid="_x0000_s1416" name="Visio" r:id="rId5" imgW="4619204" imgH="1405917" progId="Visio.Drawing.11">
+                <p:oleObj spid="_x0000_s1419" name="Visio" r:id="rId5" imgW="4619204" imgH="1405917" progId="Visio.Drawing.11">
                   <p:embed/>
                 </p:oleObj>
               </mc:Choice>
@@ -21457,7 +21399,7 @@
           <a:graphicData uri="http://schemas.openxmlformats.org/presentationml/2006/ole">
             <mc:AlternateContent xmlns:mc="http://schemas.openxmlformats.org/markup-compatibility/2006">
               <mc:Choice xmlns:v="urn:schemas-microsoft-com:vml" Requires="v">
-                <p:oleObj spid="_x0000_s1417" name="Visio" r:id="rId7" imgW="4594388" imgH="2683753" progId="Visio.Drawing.11">
+                <p:oleObj spid="_x0000_s1420" name="Visio" r:id="rId7" imgW="4594388" imgH="2683753" progId="Visio.Drawing.11">
                   <p:embed/>
                 </p:oleObj>
               </mc:Choice>
@@ -24045,19 +23987,11 @@
             </a:r>
             <a:r>
               <a:rPr lang="en-US" altLang="zh-CN" sz="1800" baseline="0" dirty="0" smtClean="0"/>
-              <a:t>network</a:t>
-            </a:r>
-            <a:r>
-              <a:rPr lang="en-US" altLang="zh-CN" sz="1800" baseline="0" dirty="0" smtClean="0"/>
-              <a:t>-aware</a:t>
+              <a:t>network-aware</a:t>
             </a:r>
             <a:r>
               <a:rPr lang="en-US" altLang="en-US" sz="1800" baseline="0" dirty="0" smtClean="0"/>
-              <a:t> </a:t>
-            </a:r>
-            <a:r>
-              <a:rPr lang="en-US" altLang="en-US" sz="1800" baseline="0" dirty="0" smtClean="0"/>
-              <a:t>file </a:t>
+              <a:t> file </a:t>
             </a:r>
             <a:r>
               <a:rPr lang="en-US" altLang="en-US" sz="1800" baseline="0" dirty="0"/>
@@ -24100,11 +24034,7 @@
             </a:r>
             <a:r>
               <a:rPr lang="en-US" altLang="en-US" sz="1800" baseline="0" dirty="0" smtClean="0"/>
-              <a:t> </a:t>
-            </a:r>
-            <a:r>
-              <a:rPr lang="en-US" altLang="en-US" sz="1800" baseline="0" dirty="0" smtClean="0"/>
-              <a:t>candidate sources </a:t>
+              <a:t> candidate sources </a:t>
             </a:r>
             <a:r>
               <a:rPr lang="en-US" altLang="en-US" sz="1800" baseline="0" dirty="0"/>
@@ -24784,11 +24714,7 @@
             </a:r>
             <a:r>
               <a:rPr lang="en-US" altLang="en-US" sz="1800" baseline="0" dirty="0" smtClean="0"/>
-              <a:t> </a:t>
-            </a:r>
-            <a:r>
-              <a:rPr lang="en-US" altLang="en-US" sz="1800" baseline="0" dirty="0" smtClean="0"/>
-              <a:t>(Scheduler)</a:t>
+              <a:t> (Scheduler)</a:t>
             </a:r>
             <a:endParaRPr lang="en-US" altLang="en-US" sz="1800" baseline="0" dirty="0"/>
           </a:p>
@@ -25530,7 +25456,6 @@
               <a:rPr lang="en-US" altLang="zh-CN" sz="1800" baseline="0" dirty="0" smtClean="0"/>
               <a:t>)</a:t>
             </a:r>
-            <a:endParaRPr lang="en-US" altLang="zh-CN" sz="1800" baseline="0" dirty="0" smtClean="0"/>
           </a:p>
           <a:p>
             <a:pPr marL="285750" indent="-285750">
@@ -25619,11 +25544,7 @@
             </a:r>
             <a:r>
               <a:rPr lang="en-US" altLang="zh-CN" sz="1800" b="1" baseline="0" dirty="0" smtClean="0"/>
-              <a:t>minimal</a:t>
-            </a:r>
-            <a:r>
-              <a:rPr lang="en-US" altLang="zh-CN" sz="1800" b="1" baseline="0" dirty="0" smtClean="0"/>
-              <a:t>,</a:t>
+              <a:t>minimal,</a:t>
             </a:r>
             <a:r>
               <a:rPr lang="zh-CN" altLang="en-US" sz="1800" b="1" baseline="0" dirty="0" smtClean="0"/>
@@ -25659,11 +25580,7 @@
             </a:r>
             <a:r>
               <a:rPr lang="en-US" altLang="zh-CN" sz="1800" baseline="0" dirty="0" smtClean="0"/>
-              <a:t> (ATLO-RSA</a:t>
-            </a:r>
-            <a:r>
-              <a:rPr lang="en-US" altLang="zh-CN" sz="1800" baseline="0" dirty="0" smtClean="0"/>
-              <a:t>)</a:t>
+              <a:t> (ATLO-RSA)</a:t>
             </a:r>
           </a:p>
         </p:txBody>

--- a/slides/cms-demo-v3.pptx
+++ b/slides/cms-demo-v3.pptx
@@ -9343,17 +9343,17 @@
             </a:r>
             <a:r>
               <a:rPr lang="en-US" altLang="zh-CN" smtClean="0"/>
-              <a:t>Technology,</a:t>
+              <a:t>Technology</a:t>
             </a:r>
             <a:endParaRPr lang="en-US" altLang="zh-CN" dirty="0" smtClean="0"/>
           </a:p>
           <a:p>
             <a:r>
-              <a:rPr lang="en-US" altLang="zh-CN"/>
+              <a:rPr lang="en-US" altLang="zh-CN" dirty="0"/>
               <a:t>Yale </a:t>
             </a:r>
             <a:r>
-              <a:rPr lang="en-US" altLang="zh-CN" smtClean="0"/>
+              <a:rPr lang="en-US" altLang="zh-CN" dirty="0" smtClean="0"/>
               <a:t>University</a:t>
             </a:r>
             <a:endParaRPr lang="en-US" dirty="0" smtClean="0"/>
@@ -13923,7 +13923,7 @@
           <a:graphicData uri="http://schemas.openxmlformats.org/presentationml/2006/ole">
             <mc:AlternateContent xmlns:mc="http://schemas.openxmlformats.org/markup-compatibility/2006">
               <mc:Choice xmlns:v="urn:schemas-microsoft-com:vml" Requires="v">
-                <p:oleObj spid="_x0000_s2240" name="Visio" r:id="rId4" imgW="4594388" imgH="2683753" progId="Visio.Drawing.11">
+                <p:oleObj spid="_x0000_s2242" name="Visio" r:id="rId4" imgW="4594388" imgH="2683753" progId="Visio.Drawing.11">
                   <p:embed/>
                 </p:oleObj>
               </mc:Choice>
@@ -21043,7 +21043,7 @@
           <a:graphicData uri="http://schemas.openxmlformats.org/presentationml/2006/ole">
             <mc:AlternateContent xmlns:mc="http://schemas.openxmlformats.org/markup-compatibility/2006">
               <mc:Choice xmlns:v="urn:schemas-microsoft-com:vml" Requires="v">
-                <p:oleObj spid="_x0000_s1419" name="Visio" r:id="rId5" imgW="4619204" imgH="1405917" progId="Visio.Drawing.11">
+                <p:oleObj spid="_x0000_s1423" name="Visio" r:id="rId5" imgW="4619204" imgH="1405917" progId="Visio.Drawing.11">
                   <p:embed/>
                 </p:oleObj>
               </mc:Choice>
@@ -21399,7 +21399,7 @@
           <a:graphicData uri="http://schemas.openxmlformats.org/presentationml/2006/ole">
             <mc:AlternateContent xmlns:mc="http://schemas.openxmlformats.org/markup-compatibility/2006">
               <mc:Choice xmlns:v="urn:schemas-microsoft-com:vml" Requires="v">
-                <p:oleObj spid="_x0000_s1420" name="Visio" r:id="rId7" imgW="4594388" imgH="2683753" progId="Visio.Drawing.11">
+                <p:oleObj spid="_x0000_s1424" name="Visio" r:id="rId7" imgW="4594388" imgH="2683753" progId="Visio.Drawing.11">
                   <p:embed/>
                 </p:oleObj>
               </mc:Choice>
